--- a/study/3. 플라스크 심화/플라스크 심화.pptx
+++ b/study/3. 플라스크 심화/플라스크 심화.pptx
@@ -10424,318 +10424,6 @@
           </a:p>
         </p:txBody>
       </p:sp>
-      <p:sp>
-        <p:nvSpPr>
-          <p:cNvPr id="4" name="제목 1">
-            <a:extLst>
-              <a:ext uri="{FF2B5EF4-FFF2-40B4-BE49-F238E27FC236}">
-                <a16:creationId xmlns:a16="http://schemas.microsoft.com/office/drawing/2014/main" id="{824331F3-9831-4A24-AC95-4771B0BCE333}"/>
-              </a:ext>
-            </a:extLst>
-          </p:cNvPr>
-          <p:cNvSpPr txBox="1">
-            <a:spLocks/>
-          </p:cNvSpPr>
-          <p:nvPr/>
-        </p:nvSpPr>
-        <p:spPr>
-          <a:xfrm>
-            <a:off x="1307647" y="1180730"/>
-            <a:ext cx="8022783" cy="436518"/>
-          </a:xfrm>
-          <a:prstGeom prst="rect">
-            <a:avLst/>
-          </a:prstGeom>
-        </p:spPr>
-        <p:txBody>
-          <a:bodyPr vert="horz" lIns="91440" tIns="45720" rIns="91440" bIns="45720" rtlCol="0" anchor="t">
-            <a:normAutofit lnSpcReduction="10000"/>
-          </a:bodyPr>
-          <a:lstStyle>
-            <a:lvl1pPr algn="l" defTabSz="457200" rtl="0" eaLnBrk="1" latinLnBrk="1" hangingPunct="1">
-              <a:spcBef>
-                <a:spcPct val="0"/>
-              </a:spcBef>
-              <a:buNone/>
-              <a:defRPr sz="3600" kern="1200">
-                <a:solidFill>
-                  <a:schemeClr val="accent1"/>
-                </a:solidFill>
-                <a:latin typeface="+mj-lt"/>
-                <a:ea typeface="+mj-ea"/>
-                <a:cs typeface="+mj-cs"/>
-              </a:defRPr>
-            </a:lvl1pPr>
-            <a:lvl2pPr eaLnBrk="1" latinLnBrk="1" hangingPunct="1">
-              <a:defRPr>
-                <a:solidFill>
-                  <a:schemeClr val="tx2"/>
-                </a:solidFill>
-              </a:defRPr>
-            </a:lvl2pPr>
-            <a:lvl3pPr eaLnBrk="1" latinLnBrk="1" hangingPunct="1">
-              <a:defRPr>
-                <a:solidFill>
-                  <a:schemeClr val="tx2"/>
-                </a:solidFill>
-              </a:defRPr>
-            </a:lvl3pPr>
-            <a:lvl4pPr eaLnBrk="1" latinLnBrk="1" hangingPunct="1">
-              <a:defRPr>
-                <a:solidFill>
-                  <a:schemeClr val="tx2"/>
-                </a:solidFill>
-              </a:defRPr>
-            </a:lvl4pPr>
-            <a:lvl5pPr eaLnBrk="1" latinLnBrk="1" hangingPunct="1">
-              <a:defRPr>
-                <a:solidFill>
-                  <a:schemeClr val="tx2"/>
-                </a:solidFill>
-              </a:defRPr>
-            </a:lvl5pPr>
-            <a:lvl6pPr eaLnBrk="1" latinLnBrk="1" hangingPunct="1">
-              <a:defRPr>
-                <a:solidFill>
-                  <a:schemeClr val="tx2"/>
-                </a:solidFill>
-              </a:defRPr>
-            </a:lvl6pPr>
-            <a:lvl7pPr eaLnBrk="1" latinLnBrk="1" hangingPunct="1">
-              <a:defRPr>
-                <a:solidFill>
-                  <a:schemeClr val="tx2"/>
-                </a:solidFill>
-              </a:defRPr>
-            </a:lvl7pPr>
-            <a:lvl8pPr eaLnBrk="1" latinLnBrk="1" hangingPunct="1">
-              <a:defRPr>
-                <a:solidFill>
-                  <a:schemeClr val="tx2"/>
-                </a:solidFill>
-              </a:defRPr>
-            </a:lvl8pPr>
-            <a:lvl9pPr eaLnBrk="1" latinLnBrk="1" hangingPunct="1">
-              <a:defRPr>
-                <a:solidFill>
-                  <a:schemeClr val="tx2"/>
-                </a:solidFill>
-              </a:defRPr>
-            </a:lvl9pPr>
-          </a:lstStyle>
-          <a:p>
-            <a:r>
-              <a:rPr lang="en-US" altLang="ko-KR" sz="2400" dirty="0">
-                <a:solidFill>
-                  <a:schemeClr val="tx2"/>
-                </a:solidFill>
-                <a:latin typeface="나눔바른고딕" panose="020B0603020101020101" pitchFamily="50" charset="-127"/>
-                <a:ea typeface="나눔바른고딕" panose="020B0603020101020101" pitchFamily="50" charset="-127"/>
-              </a:rPr>
-              <a:t>Install flask</a:t>
-            </a:r>
-          </a:p>
-        </p:txBody>
-      </p:sp>
-      <p:sp>
-        <p:nvSpPr>
-          <p:cNvPr id="6" name="직사각형 5">
-            <a:extLst>
-              <a:ext uri="{FF2B5EF4-FFF2-40B4-BE49-F238E27FC236}">
-                <a16:creationId xmlns:a16="http://schemas.microsoft.com/office/drawing/2014/main" id="{6A60F032-B172-43E0-B147-16329887DE8F}"/>
-              </a:ext>
-            </a:extLst>
-          </p:cNvPr>
-          <p:cNvSpPr/>
-          <p:nvPr/>
-        </p:nvSpPr>
-        <p:spPr>
-          <a:xfrm>
-            <a:off x="7620874" y="2196693"/>
-            <a:ext cx="4470512" cy="1169551"/>
-          </a:xfrm>
-          <a:prstGeom prst="rect">
-            <a:avLst/>
-          </a:prstGeom>
-        </p:spPr>
-        <p:txBody>
-          <a:bodyPr wrap="square">
-            <a:spAutoFit/>
-          </a:bodyPr>
-          <a:lstStyle/>
-          <a:p>
-            <a:r>
-              <a:rPr lang="en-US" altLang="ko-KR" sz="1400" dirty="0" err="1">
-                <a:solidFill>
-                  <a:schemeClr val="tx2"/>
-                </a:solidFill>
-                <a:latin typeface="나눔바른고딕" panose="020B0603020101020101" pitchFamily="50" charset="-127"/>
-                <a:ea typeface="나눔바른고딕" panose="020B0603020101020101" pitchFamily="50" charset="-127"/>
-              </a:rPr>
-              <a:t>Conda</a:t>
-            </a:r>
-            <a:r>
-              <a:rPr lang="ko-KR" altLang="en-US" sz="1400" dirty="0">
-                <a:solidFill>
-                  <a:schemeClr val="tx2"/>
-                </a:solidFill>
-                <a:latin typeface="나눔바른고딕" panose="020B0603020101020101" pitchFamily="50" charset="-127"/>
-                <a:ea typeface="나눔바른고딕" panose="020B0603020101020101" pitchFamily="50" charset="-127"/>
-              </a:rPr>
-              <a:t> </a:t>
-            </a:r>
-            <a:r>
-              <a:rPr lang="en-US" altLang="ko-KR" sz="1400" dirty="0">
-                <a:solidFill>
-                  <a:schemeClr val="tx2"/>
-                </a:solidFill>
-                <a:latin typeface="나눔바른고딕" panose="020B0603020101020101" pitchFamily="50" charset="-127"/>
-                <a:ea typeface="나눔바른고딕" panose="020B0603020101020101" pitchFamily="50" charset="-127"/>
-              </a:rPr>
-              <a:t>create</a:t>
-            </a:r>
-            <a:r>
-              <a:rPr lang="ko-KR" altLang="en-US" sz="1400" dirty="0">
-                <a:solidFill>
-                  <a:schemeClr val="tx2"/>
-                </a:solidFill>
-                <a:latin typeface="나눔바른고딕" panose="020B0603020101020101" pitchFamily="50" charset="-127"/>
-                <a:ea typeface="나눔바른고딕" panose="020B0603020101020101" pitchFamily="50" charset="-127"/>
-              </a:rPr>
-              <a:t> </a:t>
-            </a:r>
-            <a:r>
-              <a:rPr lang="en-US" altLang="ko-KR" sz="1400" dirty="0">
-                <a:solidFill>
-                  <a:schemeClr val="tx2"/>
-                </a:solidFill>
-                <a:latin typeface="나눔바른고딕" panose="020B0603020101020101" pitchFamily="50" charset="-127"/>
-                <a:ea typeface="나눔바른고딕" panose="020B0603020101020101" pitchFamily="50" charset="-127"/>
-              </a:rPr>
-              <a:t>–n</a:t>
-            </a:r>
-            <a:r>
-              <a:rPr lang="ko-KR" altLang="en-US" sz="1400" dirty="0">
-                <a:solidFill>
-                  <a:schemeClr val="tx2"/>
-                </a:solidFill>
-                <a:latin typeface="나눔바른고딕" panose="020B0603020101020101" pitchFamily="50" charset="-127"/>
-                <a:ea typeface="나눔바른고딕" panose="020B0603020101020101" pitchFamily="50" charset="-127"/>
-              </a:rPr>
-              <a:t> </a:t>
-            </a:r>
-            <a:r>
-              <a:rPr lang="ko-KR" altLang="en-US" sz="1400" dirty="0" err="1">
-                <a:solidFill>
-                  <a:schemeClr val="tx2"/>
-                </a:solidFill>
-                <a:latin typeface="나눔바른고딕" panose="020B0603020101020101" pitchFamily="50" charset="-127"/>
-                <a:ea typeface="나눔바른고딕" panose="020B0603020101020101" pitchFamily="50" charset="-127"/>
-              </a:rPr>
-              <a:t>가상폴더명</a:t>
-            </a:r>
-            <a:r>
-              <a:rPr lang="ko-KR" altLang="en-US" sz="1400" dirty="0">
-                <a:solidFill>
-                  <a:schemeClr val="tx2"/>
-                </a:solidFill>
-                <a:latin typeface="나눔바른고딕" panose="020B0603020101020101" pitchFamily="50" charset="-127"/>
-                <a:ea typeface="나눔바른고딕" panose="020B0603020101020101" pitchFamily="50" charset="-127"/>
-              </a:rPr>
-              <a:t> </a:t>
-            </a:r>
-            <a:r>
-              <a:rPr lang="en-US" altLang="ko-KR" sz="1400" dirty="0">
-                <a:solidFill>
-                  <a:schemeClr val="tx2"/>
-                </a:solidFill>
-                <a:latin typeface="나눔바른고딕" panose="020B0603020101020101" pitchFamily="50" charset="-127"/>
-                <a:ea typeface="나눔바른고딕" panose="020B0603020101020101" pitchFamily="50" charset="-127"/>
-              </a:rPr>
-              <a:t>python=3.6 anaconda</a:t>
-            </a:r>
-          </a:p>
-          <a:p>
-            <a:r>
-              <a:rPr lang="ko-KR" altLang="en-US" sz="1400" dirty="0">
-                <a:solidFill>
-                  <a:schemeClr val="tx2"/>
-                </a:solidFill>
-                <a:latin typeface="나눔바른고딕" panose="020B0603020101020101" pitchFamily="50" charset="-127"/>
-                <a:ea typeface="나눔바른고딕" panose="020B0603020101020101" pitchFamily="50" charset="-127"/>
-              </a:rPr>
-              <a:t>설치하면 </a:t>
-            </a:r>
-            <a:r>
-              <a:rPr lang="en-US" altLang="ko-KR" sz="1400" dirty="0">
-                <a:solidFill>
-                  <a:schemeClr val="tx2"/>
-                </a:solidFill>
-                <a:latin typeface="나눔바른고딕" panose="020B0603020101020101" pitchFamily="50" charset="-127"/>
-                <a:ea typeface="나눔바른고딕" panose="020B0603020101020101" pitchFamily="50" charset="-127"/>
-              </a:rPr>
-              <a:t>flask</a:t>
-            </a:r>
-            <a:r>
-              <a:rPr lang="ko-KR" altLang="en-US" sz="1400" dirty="0">
-                <a:solidFill>
-                  <a:schemeClr val="tx2"/>
-                </a:solidFill>
-                <a:latin typeface="나눔바른고딕" panose="020B0603020101020101" pitchFamily="50" charset="-127"/>
-                <a:ea typeface="나눔바른고딕" panose="020B0603020101020101" pitchFamily="50" charset="-127"/>
-              </a:rPr>
-              <a:t>도 같이 설치되어 있음</a:t>
-            </a:r>
-            <a:endParaRPr lang="en-US" altLang="ko-KR" sz="1400" dirty="0">
-              <a:solidFill>
-                <a:schemeClr val="tx2"/>
-              </a:solidFill>
-              <a:latin typeface="나눔바른고딕" panose="020B0603020101020101" pitchFamily="50" charset="-127"/>
-              <a:ea typeface="나눔바른고딕" panose="020B0603020101020101" pitchFamily="50" charset="-127"/>
-            </a:endParaRPr>
-          </a:p>
-          <a:p>
-            <a:r>
-              <a:rPr lang="ko-KR" altLang="en-US" sz="1400" dirty="0">
-                <a:solidFill>
-                  <a:schemeClr val="tx2"/>
-                </a:solidFill>
-                <a:latin typeface="나눔바른고딕" panose="020B0603020101020101" pitchFamily="50" charset="-127"/>
-                <a:ea typeface="나눔바른고딕" panose="020B0603020101020101" pitchFamily="50" charset="-127"/>
-              </a:rPr>
-              <a:t>작업할 디렉토리도 하나 만들어줍니다</a:t>
-            </a:r>
-            <a:r>
-              <a:rPr lang="en-US" altLang="ko-KR" sz="1400" dirty="0">
-                <a:solidFill>
-                  <a:schemeClr val="tx2"/>
-                </a:solidFill>
-                <a:latin typeface="나눔바른고딕" panose="020B0603020101020101" pitchFamily="50" charset="-127"/>
-                <a:ea typeface="나눔바른고딕" panose="020B0603020101020101" pitchFamily="50" charset="-127"/>
-              </a:rPr>
-              <a:t>.</a:t>
-            </a:r>
-          </a:p>
-          <a:p>
-            <a:endParaRPr lang="en-US" altLang="ko-KR" sz="1400" dirty="0">
-              <a:solidFill>
-                <a:schemeClr val="tx2"/>
-              </a:solidFill>
-              <a:latin typeface="나눔바른고딕" panose="020B0603020101020101" pitchFamily="50" charset="-127"/>
-              <a:ea typeface="나눔바른고딕" panose="020B0603020101020101" pitchFamily="50" charset="-127"/>
-            </a:endParaRPr>
-          </a:p>
-          <a:p>
-            <a:endParaRPr lang="ko-KR" altLang="en-US" sz="1400" dirty="0">
-              <a:solidFill>
-                <a:schemeClr val="tx2"/>
-              </a:solidFill>
-              <a:latin typeface="나눔바른고딕" panose="020B0603020101020101" pitchFamily="50" charset="-127"/>
-              <a:ea typeface="나눔바른고딕" panose="020B0603020101020101" pitchFamily="50" charset="-127"/>
-            </a:endParaRPr>
-          </a:p>
-        </p:txBody>
-      </p:sp>
     </p:spTree>
     <p:extLst>
       <p:ext uri="{BB962C8B-B14F-4D97-AF65-F5344CB8AC3E}">
